--- a/capstoneProjectPresentation.pptx
+++ b/capstoneProjectPresentation.pptx
@@ -12518,7 +12518,7 @@
             </a:r>
             <a:r>
               <a:rPr lang="en-US" sz="4400" dirty="0" err="1"/>
-              <a:t>pokemon</a:t>
+              <a:t>pokémon</a:t>
             </a:r>
             <a:r>
               <a:rPr lang="en-US" sz="4400" dirty="0"/>
@@ -12531,8 +12531,20 @@
             </a:pPr>
             <a:r>
               <a:rPr lang="en-US" sz="4400" dirty="0"/>
-              <a:t>(name, id, abilities, type, and description) </a:t>
+              <a:t>(name, id, abilities, type, and description)</a:t>
             </a:r>
+          </a:p>
+          <a:p>
+            <a:pPr algn="ctr"/>
+            <a:r>
+              <a:rPr lang="en-US" sz="4400" dirty="0"/>
+              <a:t> What is </a:t>
+            </a:r>
+            <a:r>
+              <a:rPr lang="en-US" sz="4400" dirty="0" err="1"/>
+              <a:t>pokémon</a:t>
+            </a:r>
+            <a:endParaRPr lang="en-US" sz="4400" dirty="0"/>
           </a:p>
         </p:txBody>
       </p:sp>
@@ -12952,9 +12964,13 @@
               <a:rPr lang="en-US" sz="3600" dirty="0" err="1"/>
               <a:t>pokemon</a:t>
             </a:r>
+            <a:endParaRPr lang="en-US" sz="3600" dirty="0"/>
+          </a:p>
+          <a:p>
+            <a:pPr algn="ctr"/>
             <a:r>
               <a:rPr lang="en-US" sz="3600" dirty="0"/>
-              <a:t> </a:t>
+              <a:t>Git hub issues </a:t>
             </a:r>
           </a:p>
         </p:txBody>
